--- a/09_advanced.pptx
+++ b/09_advanced.pptx
@@ -262,7 +262,7 @@
             <a:fld id="{FB69E1E5-FD0E-9C46-B149-99DF743CACEE}" type="datetime1">
               <a:rPr lang="en-US" altLang="ja-JP"/>
               <a:pPr/>
-              <a:t>6/19/19</a:t>
+              <a:t>11/3/19</a:t>
             </a:fld>
             <a:endParaRPr lang="en-US" altLang="ja-JP"/>
           </a:p>
@@ -437,7 +437,7 @@
           <a:p>
             <a:fld id="{8F7CFDDA-E9AE-3E42-B931-18A066F01C97}" type="datetimeFigureOut">
               <a:rPr lang="en-US" smtClean="0"/>
-              <a:t>6/19/19</a:t>
+              <a:t>11/3/19</a:t>
             </a:fld>
             <a:endParaRPr lang="en-US"/>
           </a:p>
@@ -1493,7 +1493,7 @@
             <a:fld id="{830F9418-5B83-A746-9E86-DED2E993E05E}" type="datetime1">
               <a:rPr lang="en-US" altLang="ja-JP"/>
               <a:pPr/>
-              <a:t>6/19/19</a:t>
+              <a:t>11/3/19</a:t>
             </a:fld>
             <a:endParaRPr lang="en-US" altLang="ja-JP"/>
           </a:p>
@@ -1678,7 +1678,7 @@
             <a:fld id="{6D01DB05-A92A-4D49-8595-8879094720BB}" type="datetime1">
               <a:rPr lang="en-US" altLang="ja-JP"/>
               <a:pPr/>
-              <a:t>6/19/19</a:t>
+              <a:t>11/3/19</a:t>
             </a:fld>
             <a:endParaRPr lang="en-US" altLang="ja-JP"/>
           </a:p>
@@ -1873,7 +1873,7 @@
             <a:fld id="{A7B7B07B-1D52-1E4A-B611-9C1440D28BF6}" type="datetime1">
               <a:rPr lang="en-US" altLang="ja-JP"/>
               <a:pPr/>
-              <a:t>6/19/19</a:t>
+              <a:t>11/3/19</a:t>
             </a:fld>
             <a:endParaRPr lang="en-US" altLang="ja-JP"/>
           </a:p>
@@ -2058,7 +2058,7 @@
             <a:fld id="{CC71711A-BC47-CA44-9877-92D3003F2A98}" type="datetime1">
               <a:rPr lang="en-US" altLang="ja-JP"/>
               <a:pPr/>
-              <a:t>6/19/19</a:t>
+              <a:t>11/3/19</a:t>
             </a:fld>
             <a:endParaRPr lang="en-US" altLang="ja-JP"/>
           </a:p>
@@ -2320,7 +2320,7 @@
             <a:fld id="{B9423B52-357B-1441-9B62-0D8AC9B72289}" type="datetime1">
               <a:rPr lang="en-US" altLang="ja-JP"/>
               <a:pPr/>
-              <a:t>6/19/19</a:t>
+              <a:t>11/3/19</a:t>
             </a:fld>
             <a:endParaRPr lang="en-US" altLang="ja-JP"/>
           </a:p>
@@ -2622,7 +2622,7 @@
             <a:fld id="{F5CBE31D-36C7-2548-8724-72332A0B5030}" type="datetime1">
               <a:rPr lang="en-US" altLang="ja-JP"/>
               <a:pPr/>
-              <a:t>6/19/19</a:t>
+              <a:t>11/3/19</a:t>
             </a:fld>
             <a:endParaRPr lang="en-US" altLang="ja-JP"/>
           </a:p>
@@ -3058,7 +3058,7 @@
             <a:fld id="{AD34DE35-7F18-034A-91D3-9AA0A58229FE}" type="datetime1">
               <a:rPr lang="en-US" altLang="ja-JP"/>
               <a:pPr/>
-              <a:t>6/19/19</a:t>
+              <a:t>11/3/19</a:t>
             </a:fld>
             <a:endParaRPr lang="en-US" altLang="ja-JP"/>
           </a:p>
@@ -3192,7 +3192,7 @@
             <a:fld id="{FB53120A-9A6F-3B49-8306-483CA126BCFB}" type="datetime1">
               <a:rPr lang="en-US" altLang="ja-JP"/>
               <a:pPr/>
-              <a:t>6/19/19</a:t>
+              <a:t>11/3/19</a:t>
             </a:fld>
             <a:endParaRPr lang="en-US" altLang="ja-JP"/>
           </a:p>
@@ -3304,7 +3304,7 @@
             <a:fld id="{F7B738BA-2629-934E-94BF-F5CC72E7235A}" type="datetime1">
               <a:rPr lang="en-US" altLang="ja-JP"/>
               <a:pPr/>
-              <a:t>6/19/19</a:t>
+              <a:t>11/3/19</a:t>
             </a:fld>
             <a:endParaRPr lang="en-US" altLang="ja-JP"/>
           </a:p>
@@ -3596,7 +3596,7 @@
             <a:fld id="{4F15450E-D87A-F045-B427-882C6DA9EF88}" type="datetime1">
               <a:rPr lang="en-US" altLang="ja-JP"/>
               <a:pPr/>
-              <a:t>6/19/19</a:t>
+              <a:t>11/3/19</a:t>
             </a:fld>
             <a:endParaRPr lang="en-US" altLang="ja-JP"/>
           </a:p>
@@ -3868,7 +3868,7 @@
             <a:fld id="{9939A7E9-E02C-F542-90BF-60410FC3BD97}" type="datetime1">
               <a:rPr lang="en-US" altLang="ja-JP"/>
               <a:pPr/>
-              <a:t>6/19/19</a:t>
+              <a:t>11/3/19</a:t>
             </a:fld>
             <a:endParaRPr lang="en-US" altLang="ja-JP"/>
           </a:p>
@@ -4152,7 +4152,7 @@
             <a:fld id="{737452DA-0FC7-9749-AC95-456D3A080DD9}" type="datetime1">
               <a:rPr lang="en-US" altLang="ja-JP"/>
               <a:pPr/>
-              <a:t>6/19/19</a:t>
+              <a:t>11/3/19</a:t>
             </a:fld>
             <a:endParaRPr lang="en-US" altLang="ja-JP"/>
           </a:p>
@@ -5924,7 +5924,7 @@
                 <a:latin typeface="Calibri Light" panose="020F0302020204030204" pitchFamily="34" charset="0"/>
                 <a:cs typeface="Calibri Light" panose="020F0302020204030204" pitchFamily="34" charset="0"/>
               </a:rPr>
-              <a:t>Annual temporal resolution (2001-2017)</a:t>
+              <a:t>Annual temporal resolution (2001-2018)</a:t>
             </a:r>
           </a:p>
           <a:p>
